--- a/gis/animal-health/master-course/ppt/map-projections.pptx
+++ b/gis/animal-health/master-course/ppt/map-projections.pptx
@@ -11,7 +11,7 @@
     <p:sldId id="256" r:id="rId2"/>
     <p:sldId id="264" r:id="rId3"/>
     <p:sldId id="265" r:id="rId4"/>
-    <p:sldId id="266" r:id="rId5"/>
+    <p:sldId id="271" r:id="rId5"/>
     <p:sldId id="267" r:id="rId6"/>
     <p:sldId id="268" r:id="rId7"/>
     <p:sldId id="269" r:id="rId8"/>
@@ -784,7 +784,7 @@
           <a:p>
             <a:fld id="{B3E847A0-9C2C-4878-B945-463B2F414424}" type="slidenum">
               <a:rPr lang="fr-FR" smtClean="0"/>
-              <a:t>4</a:t>
+              <a:t>5</a:t>
             </a:fld>
             <a:endParaRPr lang="fr-FR"/>
           </a:p>
@@ -868,7 +868,7 @@
           <a:p>
             <a:fld id="{B3E847A0-9C2C-4878-B945-463B2F414424}" type="slidenum">
               <a:rPr lang="fr-FR" smtClean="0"/>
-              <a:t>5</a:t>
+              <a:t>6</a:t>
             </a:fld>
             <a:endParaRPr lang="fr-FR"/>
           </a:p>
@@ -952,7 +952,7 @@
           <a:p>
             <a:fld id="{B3E847A0-9C2C-4878-B945-463B2F414424}" type="slidenum">
               <a:rPr lang="fr-FR" smtClean="0"/>
-              <a:t>6</a:t>
+              <a:t>7</a:t>
             </a:fld>
             <a:endParaRPr lang="fr-FR"/>
           </a:p>
@@ -972,90 +972,6 @@
 </file>
 
 <file path=ppt/notesSlides/notesSlide7.xml><?xml version="1.0" encoding="utf-8"?>
-<p:notes xmlns:a="http://schemas.openxmlformats.org/drawingml/2006/main" xmlns:r="http://schemas.openxmlformats.org/officeDocument/2006/relationships" xmlns:p="http://schemas.openxmlformats.org/presentationml/2006/main">
-  <p:cSld>
-    <p:spTree>
-      <p:nvGrpSpPr>
-        <p:cNvPr id="1" name=""/>
-        <p:cNvGrpSpPr/>
-        <p:nvPr/>
-      </p:nvGrpSpPr>
-      <p:grpSpPr>
-        <a:xfrm>
-          <a:off x="0" y="0"/>
-          <a:ext cx="0" cy="0"/>
-          <a:chOff x="0" y="0"/>
-          <a:chExt cx="0" cy="0"/>
-        </a:xfrm>
-      </p:grpSpPr>
-      <p:sp>
-        <p:nvSpPr>
-          <p:cNvPr id="2" name="Slide Image Placeholder 1"/>
-          <p:cNvSpPr>
-            <a:spLocks noGrp="1" noRot="1" noChangeAspect="1"/>
-          </p:cNvSpPr>
-          <p:nvPr>
-            <p:ph type="sldImg"/>
-          </p:nvPr>
-        </p:nvSpPr>
-        <p:spPr/>
-      </p:sp>
-      <p:sp>
-        <p:nvSpPr>
-          <p:cNvPr id="3" name="Notes Placeholder 2"/>
-          <p:cNvSpPr>
-            <a:spLocks noGrp="1"/>
-          </p:cNvSpPr>
-          <p:nvPr>
-            <p:ph type="body" idx="1"/>
-          </p:nvPr>
-        </p:nvSpPr>
-        <p:spPr/>
-        <p:txBody>
-          <a:bodyPr/>
-          <a:lstStyle/>
-          <a:p>
-            <a:endParaRPr lang="fr-FR"/>
-          </a:p>
-        </p:txBody>
-      </p:sp>
-      <p:sp>
-        <p:nvSpPr>
-          <p:cNvPr id="4" name="Slide Number Placeholder 3"/>
-          <p:cNvSpPr>
-            <a:spLocks noGrp="1"/>
-          </p:cNvSpPr>
-          <p:nvPr>
-            <p:ph type="sldNum" sz="quarter" idx="10"/>
-          </p:nvPr>
-        </p:nvSpPr>
-        <p:spPr/>
-        <p:txBody>
-          <a:bodyPr/>
-          <a:lstStyle/>
-          <a:p>
-            <a:fld id="{B3E847A0-9C2C-4878-B945-463B2F414424}" type="slidenum">
-              <a:rPr lang="fr-FR" smtClean="0"/>
-              <a:t>7</a:t>
-            </a:fld>
-            <a:endParaRPr lang="fr-FR"/>
-          </a:p>
-        </p:txBody>
-      </p:sp>
-    </p:spTree>
-    <p:extLst>
-      <p:ext uri="{BB962C8B-B14F-4D97-AF65-F5344CB8AC3E}">
-        <p14:creationId xmlns:p14="http://schemas.microsoft.com/office/powerpoint/2010/main" val="107688128"/>
-      </p:ext>
-    </p:extLst>
-  </p:cSld>
-  <p:clrMapOvr>
-    <a:masterClrMapping/>
-  </p:clrMapOvr>
-</p:notes>
-</file>
-
-<file path=ppt/notesSlides/notesSlide8.xml><?xml version="1.0" encoding="utf-8"?>
 <p:notes xmlns:a="http://schemas.openxmlformats.org/drawingml/2006/main" xmlns:r="http://schemas.openxmlformats.org/officeDocument/2006/relationships" xmlns:p="http://schemas.openxmlformats.org/presentationml/2006/main">
   <p:cSld>
     <p:spTree>
@@ -5760,7 +5676,7 @@
 </file>
 
 <file path=ppt/slides/slide4.xml><?xml version="1.0" encoding="utf-8"?>
-<p:sld xmlns:a="http://schemas.openxmlformats.org/drawingml/2006/main" xmlns:r="http://schemas.openxmlformats.org/officeDocument/2006/relationships" xmlns:p="http://schemas.openxmlformats.org/presentationml/2006/main" showMasterSp="0">
+<p:sld xmlns:a="http://schemas.openxmlformats.org/drawingml/2006/main" xmlns:r="http://schemas.openxmlformats.org/officeDocument/2006/relationships" xmlns:p="http://schemas.openxmlformats.org/presentationml/2006/main">
   <p:cSld>
     <p:spTree>
       <p:nvGrpSpPr>
@@ -5776,1615 +5692,67 @@
           <a:chExt cx="0" cy="0"/>
         </a:xfrm>
       </p:grpSpPr>
-      <p:sp>
-        <p:nvSpPr>
-          <p:cNvPr id="7" name="Subtitle 2"/>
-          <p:cNvSpPr txBox="1">
-            <a:spLocks/>
-          </p:cNvSpPr>
+      <p:pic>
+        <p:nvPicPr>
+          <p:cNvPr id="4" name="Picture 3"/>
+          <p:cNvPicPr>
+            <a:picLocks noChangeAspect="1"/>
+          </p:cNvPicPr>
           <p:nvPr/>
-        </p:nvSpPr>
+        </p:nvPicPr>
+        <p:blipFill>
+          <a:blip r:embed="rId2"/>
+          <a:stretch>
+            <a:fillRect/>
+          </a:stretch>
+        </p:blipFill>
         <p:spPr>
           <a:xfrm>
-            <a:off x="231102" y="2204864"/>
-            <a:ext cx="8517362" cy="936104"/>
+            <a:off x="971600" y="733145"/>
+            <a:ext cx="6984776" cy="5648183"/>
           </a:xfrm>
           <a:prstGeom prst="rect">
             <a:avLst/>
           </a:prstGeom>
         </p:spPr>
-        <p:txBody>
-          <a:bodyPr vert="horz" lIns="91440" tIns="45720" rIns="91440" bIns="45720" rtlCol="0">
-            <a:noAutofit/>
-          </a:bodyPr>
-          <a:lstStyle>
-            <a:lvl1pPr marL="0" indent="0" algn="ctr" defTabSz="914400" rtl="0" eaLnBrk="1" latinLnBrk="0" hangingPunct="1">
-              <a:spcBef>
-                <a:spcPct val="20000"/>
-              </a:spcBef>
-              <a:buFont typeface="Arial" pitchFamily="34" charset="0"/>
-              <a:buNone/>
-              <a:defRPr sz="3200" kern="1200">
-                <a:solidFill>
-                  <a:schemeClr val="tx1">
-                    <a:tint val="75000"/>
-                  </a:schemeClr>
-                </a:solidFill>
-                <a:latin typeface="+mn-lt"/>
-                <a:ea typeface="+mn-ea"/>
-                <a:cs typeface="+mn-cs"/>
-              </a:defRPr>
-            </a:lvl1pPr>
-            <a:lvl2pPr marL="457200" indent="0" algn="ctr" defTabSz="914400" rtl="0" eaLnBrk="1" latinLnBrk="0" hangingPunct="1">
-              <a:spcBef>
-                <a:spcPct val="20000"/>
-              </a:spcBef>
-              <a:buFont typeface="Arial" pitchFamily="34" charset="0"/>
-              <a:buNone/>
-              <a:defRPr sz="2800" kern="1200">
-                <a:solidFill>
-                  <a:schemeClr val="tx1">
-                    <a:tint val="75000"/>
-                  </a:schemeClr>
-                </a:solidFill>
-                <a:latin typeface="+mn-lt"/>
-                <a:ea typeface="+mn-ea"/>
-                <a:cs typeface="+mn-cs"/>
-              </a:defRPr>
-            </a:lvl2pPr>
-            <a:lvl3pPr marL="914400" indent="0" algn="ctr" defTabSz="914400" rtl="0" eaLnBrk="1" latinLnBrk="0" hangingPunct="1">
-              <a:spcBef>
-                <a:spcPct val="20000"/>
-              </a:spcBef>
-              <a:buFont typeface="Arial" pitchFamily="34" charset="0"/>
-              <a:buNone/>
-              <a:defRPr sz="2400" kern="1200">
-                <a:solidFill>
-                  <a:schemeClr val="tx1">
-                    <a:tint val="75000"/>
-                  </a:schemeClr>
-                </a:solidFill>
-                <a:latin typeface="+mn-lt"/>
-                <a:ea typeface="+mn-ea"/>
-                <a:cs typeface="+mn-cs"/>
-              </a:defRPr>
-            </a:lvl3pPr>
-            <a:lvl4pPr marL="1371600" indent="0" algn="ctr" defTabSz="914400" rtl="0" eaLnBrk="1" latinLnBrk="0" hangingPunct="1">
-              <a:spcBef>
-                <a:spcPct val="20000"/>
-              </a:spcBef>
-              <a:buFont typeface="Arial" pitchFamily="34" charset="0"/>
-              <a:buNone/>
-              <a:defRPr sz="2000" kern="1200">
-                <a:solidFill>
-                  <a:schemeClr val="tx1">
-                    <a:tint val="75000"/>
-                  </a:schemeClr>
-                </a:solidFill>
-                <a:latin typeface="+mn-lt"/>
-                <a:ea typeface="+mn-ea"/>
-                <a:cs typeface="+mn-cs"/>
-              </a:defRPr>
-            </a:lvl4pPr>
-            <a:lvl5pPr marL="1828800" indent="0" algn="ctr" defTabSz="914400" rtl="0" eaLnBrk="1" latinLnBrk="0" hangingPunct="1">
-              <a:spcBef>
-                <a:spcPct val="20000"/>
-              </a:spcBef>
-              <a:buFont typeface="Arial" pitchFamily="34" charset="0"/>
-              <a:buNone/>
-              <a:defRPr sz="2000" kern="1200">
-                <a:solidFill>
-                  <a:schemeClr val="tx1">
-                    <a:tint val="75000"/>
-                  </a:schemeClr>
-                </a:solidFill>
-                <a:latin typeface="+mn-lt"/>
-                <a:ea typeface="+mn-ea"/>
-                <a:cs typeface="+mn-cs"/>
-              </a:defRPr>
-            </a:lvl5pPr>
-            <a:lvl6pPr marL="2286000" indent="0" algn="ctr" defTabSz="914400" rtl="0" eaLnBrk="1" latinLnBrk="0" hangingPunct="1">
-              <a:spcBef>
-                <a:spcPct val="20000"/>
-              </a:spcBef>
-              <a:buFont typeface="Arial" pitchFamily="34" charset="0"/>
-              <a:buNone/>
-              <a:defRPr sz="2000" kern="1200">
-                <a:solidFill>
-                  <a:schemeClr val="tx1">
-                    <a:tint val="75000"/>
-                  </a:schemeClr>
-                </a:solidFill>
-                <a:latin typeface="+mn-lt"/>
-                <a:ea typeface="+mn-ea"/>
-                <a:cs typeface="+mn-cs"/>
-              </a:defRPr>
-            </a:lvl6pPr>
-            <a:lvl7pPr marL="2743200" indent="0" algn="ctr" defTabSz="914400" rtl="0" eaLnBrk="1" latinLnBrk="0" hangingPunct="1">
-              <a:spcBef>
-                <a:spcPct val="20000"/>
-              </a:spcBef>
-              <a:buFont typeface="Arial" pitchFamily="34" charset="0"/>
-              <a:buNone/>
-              <a:defRPr sz="2000" kern="1200">
-                <a:solidFill>
-                  <a:schemeClr val="tx1">
-                    <a:tint val="75000"/>
-                  </a:schemeClr>
-                </a:solidFill>
-                <a:latin typeface="+mn-lt"/>
-                <a:ea typeface="+mn-ea"/>
-                <a:cs typeface="+mn-cs"/>
-              </a:defRPr>
-            </a:lvl7pPr>
-            <a:lvl8pPr marL="3200400" indent="0" algn="ctr" defTabSz="914400" rtl="0" eaLnBrk="1" latinLnBrk="0" hangingPunct="1">
-              <a:spcBef>
-                <a:spcPct val="20000"/>
-              </a:spcBef>
-              <a:buFont typeface="Arial" pitchFamily="34" charset="0"/>
-              <a:buNone/>
-              <a:defRPr sz="2000" kern="1200">
-                <a:solidFill>
-                  <a:schemeClr val="tx1">
-                    <a:tint val="75000"/>
-                  </a:schemeClr>
-                </a:solidFill>
-                <a:latin typeface="+mn-lt"/>
-                <a:ea typeface="+mn-ea"/>
-                <a:cs typeface="+mn-cs"/>
-              </a:defRPr>
-            </a:lvl8pPr>
-            <a:lvl9pPr marL="3657600" indent="0" algn="ctr" defTabSz="914400" rtl="0" eaLnBrk="1" latinLnBrk="0" hangingPunct="1">
-              <a:spcBef>
-                <a:spcPct val="20000"/>
-              </a:spcBef>
-              <a:buFont typeface="Arial" pitchFamily="34" charset="0"/>
-              <a:buNone/>
-              <a:defRPr sz="2000" kern="1200">
-                <a:solidFill>
-                  <a:schemeClr val="tx1">
-                    <a:tint val="75000"/>
-                  </a:schemeClr>
-                </a:solidFill>
-                <a:latin typeface="+mn-lt"/>
-                <a:ea typeface="+mn-ea"/>
-                <a:cs typeface="+mn-cs"/>
-              </a:defRPr>
-            </a:lvl9pPr>
-          </a:lstStyle>
-          <a:p>
-            <a:pPr marL="571500" indent="-571500">
-              <a:buFont typeface="Arial" pitchFamily="34" charset="0"/>
-              <a:buChar char="•"/>
-            </a:pPr>
-            <a:endParaRPr lang="fr-FR" sz="4400" dirty="0" smtClean="0">
-              <a:solidFill>
-                <a:schemeClr val="bg2"/>
-              </a:solidFill>
-            </a:endParaRPr>
-          </a:p>
-          <a:p>
-            <a:endParaRPr lang="fr-FR" sz="4400" dirty="0">
-              <a:solidFill>
-                <a:schemeClr val="bg2"/>
-              </a:solidFill>
-            </a:endParaRPr>
-          </a:p>
-        </p:txBody>
-      </p:sp>
-      <p:sp>
-        <p:nvSpPr>
-          <p:cNvPr id="17" name="Oval 7"/>
-          <p:cNvSpPr>
-            <a:spLocks noChangeArrowheads="1"/>
+      </p:pic>
+      <p:sp>
+        <p:nvSpPr>
+          <p:cNvPr id="5" name="Title 1"/>
+          <p:cNvSpPr txBox="1">
+            <a:spLocks/>
           </p:cNvSpPr>
           <p:nvPr/>
-        </p:nvSpPr>
-        <p:spPr bwMode="auto">
-          <a:xfrm>
-            <a:off x="3101975" y="1536700"/>
-            <a:ext cx="3900488" cy="3871913"/>
-          </a:xfrm>
-          <a:prstGeom prst="ellipse">
-            <a:avLst/>
-          </a:prstGeom>
-          <a:solidFill>
-            <a:schemeClr val="accent1">
-              <a:lumMod val="20000"/>
-              <a:lumOff val="80000"/>
-            </a:schemeClr>
-          </a:solidFill>
-          <a:ln w="6350" cmpd="sng">
-            <a:noFill/>
-            <a:headEnd/>
-            <a:tailEnd/>
-          </a:ln>
-        </p:spPr>
-        <p:style>
-          <a:lnRef idx="2">
-            <a:schemeClr val="dk1"/>
-          </a:lnRef>
-          <a:fillRef idx="1">
-            <a:schemeClr val="lt1"/>
-          </a:fillRef>
-          <a:effectRef idx="0">
-            <a:schemeClr val="dk1"/>
-          </a:effectRef>
-          <a:fontRef idx="minor">
-            <a:schemeClr val="dk1"/>
-          </a:fontRef>
-        </p:style>
-        <p:txBody>
-          <a:bodyPr/>
-          <a:lstStyle/>
-          <a:p>
-            <a:endParaRPr lang="fr-FR">
-              <a:solidFill>
-                <a:srgbClr val="404040"/>
-              </a:solidFill>
-            </a:endParaRPr>
-          </a:p>
-        </p:txBody>
-      </p:sp>
-      <p:sp>
-        <p:nvSpPr>
-          <p:cNvPr id="18" name="Oval 8"/>
-          <p:cNvSpPr>
-            <a:spLocks noChangeArrowheads="1"/>
-          </p:cNvSpPr>
-          <p:nvPr/>
-        </p:nvSpPr>
-        <p:spPr bwMode="auto">
-          <a:xfrm>
-            <a:off x="3125788" y="3000375"/>
-            <a:ext cx="3883025" cy="989013"/>
-          </a:xfrm>
-          <a:prstGeom prst="ellipse">
-            <a:avLst/>
-          </a:prstGeom>
-          <a:solidFill>
-            <a:schemeClr val="accent1">
-              <a:alpha val="43921"/>
-            </a:schemeClr>
-          </a:solidFill>
-          <a:ln w="3175">
-            <a:solidFill>
-              <a:srgbClr val="000000"/>
-            </a:solidFill>
-            <a:prstDash val="sysDot"/>
-            <a:round/>
-            <a:headEnd/>
-            <a:tailEnd/>
-          </a:ln>
-        </p:spPr>
-        <p:txBody>
-          <a:bodyPr/>
-          <a:lstStyle/>
-          <a:p>
-            <a:endParaRPr lang="fr-FR"/>
-          </a:p>
-        </p:txBody>
-      </p:sp>
-      <p:sp>
-        <p:nvSpPr>
-          <p:cNvPr id="19" name="Line 10"/>
-          <p:cNvSpPr>
-            <a:spLocks noChangeShapeType="1"/>
-          </p:cNvSpPr>
-          <p:nvPr/>
-        </p:nvSpPr>
-        <p:spPr bwMode="auto">
-          <a:xfrm flipV="1">
-            <a:off x="2624138" y="3497263"/>
-            <a:ext cx="4870450" cy="9525"/>
-          </a:xfrm>
-          <a:prstGeom prst="line">
-            <a:avLst/>
-          </a:prstGeom>
-          <a:noFill/>
-          <a:ln w="9525">
-            <a:solidFill>
-              <a:srgbClr val="404040"/>
-            </a:solidFill>
-            <a:prstDash val="lgDashDot"/>
-            <a:round/>
-            <a:headEnd/>
-            <a:tailEnd/>
-          </a:ln>
-          <a:extLst>
-            <a:ext uri="{909E8E84-426E-40dd-AFC4-6F175D3DCCD1}">
-              <a14:hiddenFill xmlns:a14="http://schemas.microsoft.com/office/drawing/2010/main">
-                <a:noFill/>
-              </a14:hiddenFill>
-            </a:ext>
-          </a:extLst>
-        </p:spPr>
-        <p:txBody>
-          <a:bodyPr/>
-          <a:lstStyle/>
-          <a:p>
-            <a:endParaRPr lang="fr-FR"/>
-          </a:p>
-        </p:txBody>
-      </p:sp>
-      <p:sp>
-        <p:nvSpPr>
-          <p:cNvPr id="20" name="Line 11"/>
-          <p:cNvSpPr>
-            <a:spLocks noChangeShapeType="1"/>
-          </p:cNvSpPr>
-          <p:nvPr/>
-        </p:nvSpPr>
-        <p:spPr bwMode="auto">
-          <a:xfrm>
-            <a:off x="5067300" y="1019175"/>
-            <a:ext cx="0" cy="4840288"/>
-          </a:xfrm>
-          <a:prstGeom prst="line">
-            <a:avLst/>
-          </a:prstGeom>
-          <a:noFill/>
-          <a:ln w="9525">
-            <a:solidFill>
-              <a:schemeClr val="tx1">
-                <a:lumMod val="75000"/>
-                <a:lumOff val="25000"/>
-              </a:schemeClr>
-            </a:solidFill>
-            <a:prstDash val="lgDashDot"/>
-            <a:round/>
-            <a:headEnd/>
-            <a:tailEnd/>
-          </a:ln>
-          <a:extLst>
-            <a:ext uri="{909E8E84-426E-40dd-AFC4-6F175D3DCCD1}">
-              <a14:hiddenFill xmlns:a14="http://schemas.microsoft.com/office/drawing/2010/main">
-                <a:noFill/>
-              </a14:hiddenFill>
-            </a:ext>
-          </a:extLst>
-        </p:spPr>
-        <p:txBody>
-          <a:bodyPr/>
-          <a:lstStyle/>
-          <a:p>
-            <a:endParaRPr lang="fr-FR">
-              <a:ln>
-                <a:solidFill>
-                  <a:schemeClr val="tx1">
-                    <a:lumMod val="75000"/>
-                    <a:lumOff val="25000"/>
-                  </a:schemeClr>
-                </a:solidFill>
-              </a:ln>
-            </a:endParaRPr>
-          </a:p>
-        </p:txBody>
-      </p:sp>
-      <p:sp>
-        <p:nvSpPr>
-          <p:cNvPr id="21" name="Arc 16"/>
-          <p:cNvSpPr>
-            <a:spLocks/>
-          </p:cNvSpPr>
-          <p:nvPr/>
-        </p:nvSpPr>
-        <p:spPr bwMode="auto">
-          <a:xfrm rot="5400000" flipV="1">
-            <a:off x="2938463" y="3206750"/>
-            <a:ext cx="3841750" cy="539750"/>
-          </a:xfrm>
-          <a:custGeom>
-            <a:avLst/>
-            <a:gdLst>
-              <a:gd name="T0" fmla="*/ 0 w 43005"/>
-              <a:gd name="T1" fmla="*/ 263594657 h 22344"/>
-              <a:gd name="T2" fmla="*/ 2147483647 w 43005"/>
-              <a:gd name="T3" fmla="*/ 314960503 h 22344"/>
-              <a:gd name="T4" fmla="*/ 2147483647 w 43005"/>
-              <a:gd name="T5" fmla="*/ 304473304 h 22344"/>
-              <a:gd name="T6" fmla="*/ 0 60000 65536"/>
-              <a:gd name="T7" fmla="*/ 0 60000 65536"/>
-              <a:gd name="T8" fmla="*/ 0 60000 65536"/>
-            </a:gdLst>
-            <a:ahLst/>
-            <a:cxnLst>
-              <a:cxn ang="T6">
-                <a:pos x="T0" y="T1"/>
-              </a:cxn>
-              <a:cxn ang="T7">
-                <a:pos x="T2" y="T3"/>
-              </a:cxn>
-              <a:cxn ang="T8">
-                <a:pos x="T4" y="T5"/>
-              </a:cxn>
-            </a:cxnLst>
-            <a:rect l="0" t="0" r="r" b="b"/>
-            <a:pathLst>
-              <a:path w="43005" h="22344" fill="none" extrusionOk="0">
-                <a:moveTo>
-                  <a:pt x="0" y="18700"/>
-                </a:moveTo>
-                <a:cubicBezTo>
-                  <a:pt x="1451" y="7989"/>
-                  <a:pt x="10596" y="-1"/>
-                  <a:pt x="21405" y="0"/>
-                </a:cubicBezTo>
-                <a:cubicBezTo>
-                  <a:pt x="33334" y="0"/>
-                  <a:pt x="43005" y="9670"/>
-                  <a:pt x="43005" y="21600"/>
-                </a:cubicBezTo>
-                <a:cubicBezTo>
-                  <a:pt x="43005" y="21848"/>
-                  <a:pt x="43000" y="22096"/>
-                  <a:pt x="42992" y="22344"/>
-                </a:cubicBezTo>
-              </a:path>
-              <a:path w="43005" h="22344" stroke="0" extrusionOk="0">
-                <a:moveTo>
-                  <a:pt x="0" y="18700"/>
-                </a:moveTo>
-                <a:cubicBezTo>
-                  <a:pt x="1451" y="7989"/>
-                  <a:pt x="10596" y="-1"/>
-                  <a:pt x="21405" y="0"/>
-                </a:cubicBezTo>
-                <a:cubicBezTo>
-                  <a:pt x="33334" y="0"/>
-                  <a:pt x="43005" y="9670"/>
-                  <a:pt x="43005" y="21600"/>
-                </a:cubicBezTo>
-                <a:cubicBezTo>
-                  <a:pt x="43005" y="21848"/>
-                  <a:pt x="43000" y="22096"/>
-                  <a:pt x="42992" y="22344"/>
-                </a:cubicBezTo>
-                <a:lnTo>
-                  <a:pt x="21405" y="21600"/>
-                </a:lnTo>
-                <a:lnTo>
-                  <a:pt x="0" y="18700"/>
-                </a:lnTo>
-                <a:close/>
-              </a:path>
-            </a:pathLst>
-          </a:custGeom>
-          <a:noFill/>
-          <a:ln w="28575">
-            <a:solidFill>
-              <a:schemeClr val="tx1">
-                <a:lumMod val="75000"/>
-                <a:lumOff val="25000"/>
-              </a:schemeClr>
-            </a:solidFill>
-            <a:round/>
-            <a:headEnd/>
-            <a:tailEnd/>
-          </a:ln>
-          <a:extLst>
-            <a:ext uri="{909E8E84-426E-40dd-AFC4-6F175D3DCCD1}">
-              <a14:hiddenFill xmlns:a14="http://schemas.microsoft.com/office/drawing/2010/main">
-                <a:solidFill>
-                  <a:srgbClr val="FFFFFF"/>
-                </a:solidFill>
-              </a14:hiddenFill>
-            </a:ext>
-          </a:extLst>
-        </p:spPr>
-        <p:txBody>
-          <a:bodyPr/>
-          <a:lstStyle/>
-          <a:p>
-            <a:endParaRPr lang="fr-FR"/>
-          </a:p>
-        </p:txBody>
-      </p:sp>
-      <p:grpSp>
-        <p:nvGrpSpPr>
-          <p:cNvPr id="22" name="Group 50"/>
-          <p:cNvGrpSpPr>
-            <a:grpSpLocks/>
-          </p:cNvGrpSpPr>
-          <p:nvPr/>
-        </p:nvGrpSpPr>
-        <p:grpSpPr bwMode="auto">
-          <a:xfrm>
-            <a:off x="4641850" y="2278063"/>
-            <a:ext cx="1511300" cy="1658937"/>
-            <a:chOff x="2924" y="1435"/>
-            <a:chExt cx="952" cy="1045"/>
-          </a:xfrm>
-        </p:grpSpPr>
-        <p:sp>
-          <p:nvSpPr>
-            <p:cNvPr id="23" name="Line 12"/>
-            <p:cNvSpPr>
-              <a:spLocks noChangeShapeType="1"/>
-            </p:cNvSpPr>
-            <p:nvPr/>
-          </p:nvSpPr>
-          <p:spPr bwMode="auto">
-            <a:xfrm>
-              <a:off x="3192" y="2201"/>
-              <a:ext cx="684" cy="256"/>
-            </a:xfrm>
-            <a:prstGeom prst="line">
-              <a:avLst/>
-            </a:prstGeom>
-            <a:noFill/>
-            <a:ln w="9525">
-              <a:solidFill>
-                <a:srgbClr val="000000"/>
-              </a:solidFill>
-              <a:prstDash val="sysDot"/>
-              <a:round/>
-              <a:headEnd/>
-              <a:tailEnd/>
-            </a:ln>
-            <a:extLst>
-              <a:ext uri="{909E8E84-426E-40dd-AFC4-6F175D3DCCD1}">
-                <a14:hiddenFill xmlns:a14="http://schemas.microsoft.com/office/drawing/2010/main">
-                  <a:noFill/>
-                </a14:hiddenFill>
-              </a:ext>
-            </a:extLst>
-          </p:spPr>
-          <p:txBody>
-            <a:bodyPr/>
-            <a:lstStyle/>
-            <a:p>
-              <a:endParaRPr lang="fr-FR"/>
-            </a:p>
-          </p:txBody>
-        </p:sp>
-        <p:sp>
-          <p:nvSpPr>
-            <p:cNvPr id="24" name="Line 13"/>
-            <p:cNvSpPr>
-              <a:spLocks noChangeShapeType="1"/>
-            </p:cNvSpPr>
-            <p:nvPr/>
-          </p:nvSpPr>
-          <p:spPr bwMode="auto">
-            <a:xfrm flipV="1">
-              <a:off x="3201" y="1435"/>
-              <a:ext cx="516" cy="785"/>
-            </a:xfrm>
-            <a:prstGeom prst="line">
-              <a:avLst/>
-            </a:prstGeom>
-            <a:noFill/>
-            <a:ln w="9525">
-              <a:solidFill>
-                <a:srgbClr val="000000"/>
-              </a:solidFill>
-              <a:prstDash val="sysDot"/>
-              <a:round/>
-              <a:headEnd/>
-              <a:tailEnd/>
-            </a:ln>
-            <a:extLst>
-              <a:ext uri="{909E8E84-426E-40dd-AFC4-6F175D3DCCD1}">
-                <a14:hiddenFill xmlns:a14="http://schemas.microsoft.com/office/drawing/2010/main">
-                  <a:noFill/>
-                </a14:hiddenFill>
-              </a:ext>
-            </a:extLst>
-          </p:spPr>
-          <p:txBody>
-            <a:bodyPr/>
-            <a:lstStyle/>
-            <a:p>
-              <a:endParaRPr lang="fr-FR"/>
-            </a:p>
-          </p:txBody>
-        </p:sp>
-        <p:sp>
-          <p:nvSpPr>
-            <p:cNvPr id="25" name="Line 17"/>
-            <p:cNvSpPr>
-              <a:spLocks noChangeShapeType="1"/>
-            </p:cNvSpPr>
-            <p:nvPr/>
-          </p:nvSpPr>
-          <p:spPr bwMode="auto">
-            <a:xfrm flipH="1">
-              <a:off x="2924" y="2218"/>
-              <a:ext cx="269" cy="262"/>
-            </a:xfrm>
-            <a:prstGeom prst="line">
-              <a:avLst/>
-            </a:prstGeom>
-            <a:noFill/>
-            <a:ln w="9525">
-              <a:solidFill>
-                <a:srgbClr val="000000"/>
-              </a:solidFill>
-              <a:prstDash val="sysDot"/>
-              <a:round/>
-              <a:headEnd/>
-              <a:tailEnd/>
-            </a:ln>
-            <a:extLst>
-              <a:ext uri="{909E8E84-426E-40dd-AFC4-6F175D3DCCD1}">
-                <a14:hiddenFill xmlns:a14="http://schemas.microsoft.com/office/drawing/2010/main">
-                  <a:noFill/>
-                </a14:hiddenFill>
-              </a:ext>
-            </a:extLst>
-          </p:spPr>
-          <p:txBody>
-            <a:bodyPr/>
-            <a:lstStyle/>
-            <a:p>
-              <a:endParaRPr lang="fr-FR"/>
-            </a:p>
-          </p:txBody>
-        </p:sp>
-      </p:grpSp>
-      <p:sp>
-        <p:nvSpPr>
-          <p:cNvPr id="26" name="Oval 18"/>
-          <p:cNvSpPr>
-            <a:spLocks noChangeArrowheads="1"/>
-          </p:cNvSpPr>
-          <p:nvPr/>
-        </p:nvSpPr>
-        <p:spPr bwMode="auto">
-          <a:xfrm>
-            <a:off x="5843588" y="2189163"/>
-            <a:ext cx="168275" cy="136525"/>
-          </a:xfrm>
-          <a:prstGeom prst="ellipse">
-            <a:avLst/>
-          </a:prstGeom>
-          <a:solidFill>
-            <a:srgbClr val="FF0000"/>
-          </a:solidFill>
-          <a:ln w="9525">
-            <a:noFill/>
-            <a:round/>
-            <a:headEnd/>
-            <a:tailEnd/>
-          </a:ln>
-        </p:spPr>
-        <p:txBody>
-          <a:bodyPr/>
-          <a:lstStyle/>
-          <a:p>
-            <a:endParaRPr lang="fr-FR"/>
-          </a:p>
-        </p:txBody>
-      </p:sp>
-      <p:sp>
-        <p:nvSpPr>
-          <p:cNvPr id="28" name="Arc 15"/>
-          <p:cNvSpPr>
-            <a:spLocks/>
-          </p:cNvSpPr>
-          <p:nvPr/>
-        </p:nvSpPr>
-        <p:spPr bwMode="auto">
-          <a:xfrm rot="16200000" flipH="1" flipV="1">
-            <a:off x="5184775" y="2820988"/>
-            <a:ext cx="1636713" cy="471488"/>
-          </a:xfrm>
-          <a:custGeom>
-            <a:avLst/>
-            <a:gdLst>
-              <a:gd name="T0" fmla="*/ 0 w 26306"/>
-              <a:gd name="T1" fmla="*/ 0 h 21600"/>
-              <a:gd name="T2" fmla="*/ 2 w 26306"/>
-              <a:gd name="T3" fmla="*/ 0 h 21600"/>
-              <a:gd name="T4" fmla="*/ 1 w 26306"/>
-              <a:gd name="T5" fmla="*/ 0 h 21600"/>
-              <a:gd name="T6" fmla="*/ 0 60000 65536"/>
-              <a:gd name="T7" fmla="*/ 0 60000 65536"/>
-              <a:gd name="T8" fmla="*/ 0 60000 65536"/>
-            </a:gdLst>
-            <a:ahLst/>
-            <a:cxnLst>
-              <a:cxn ang="T6">
-                <a:pos x="T0" y="T1"/>
-              </a:cxn>
-              <a:cxn ang="T7">
-                <a:pos x="T2" y="T3"/>
-              </a:cxn>
-              <a:cxn ang="T8">
-                <a:pos x="T4" y="T5"/>
-              </a:cxn>
-            </a:cxnLst>
-            <a:rect l="0" t="0" r="r" b="b"/>
-            <a:pathLst>
-              <a:path w="26306" h="21600" fill="none" extrusionOk="0">
-                <a:moveTo>
-                  <a:pt x="0" y="13224"/>
-                </a:moveTo>
-                <a:cubicBezTo>
-                  <a:pt x="3371" y="5211"/>
-                  <a:pt x="11216" y="-1"/>
-                  <a:pt x="19910" y="0"/>
-                </a:cubicBezTo>
-                <a:cubicBezTo>
-                  <a:pt x="22078" y="0"/>
-                  <a:pt x="24234" y="326"/>
-                  <a:pt x="26306" y="968"/>
-                </a:cubicBezTo>
-              </a:path>
-              <a:path w="26306" h="21600" stroke="0" extrusionOk="0">
-                <a:moveTo>
-                  <a:pt x="0" y="13224"/>
-                </a:moveTo>
-                <a:cubicBezTo>
-                  <a:pt x="3371" y="5211"/>
-                  <a:pt x="11216" y="-1"/>
-                  <a:pt x="19910" y="0"/>
-                </a:cubicBezTo>
-                <a:cubicBezTo>
-                  <a:pt x="22078" y="0"/>
-                  <a:pt x="24234" y="326"/>
-                  <a:pt x="26306" y="968"/>
-                </a:cubicBezTo>
-                <a:lnTo>
-                  <a:pt x="19910" y="21600"/>
-                </a:lnTo>
-                <a:lnTo>
-                  <a:pt x="0" y="13224"/>
-                </a:lnTo>
-                <a:close/>
-              </a:path>
-            </a:pathLst>
-          </a:custGeom>
-          <a:noFill/>
-          <a:ln w="38100">
-            <a:solidFill>
-              <a:schemeClr val="tx1">
-                <a:lumMod val="75000"/>
-                <a:lumOff val="25000"/>
-              </a:schemeClr>
-            </a:solidFill>
-            <a:round/>
-            <a:headEnd type="stealth" w="lg" len="lg"/>
-            <a:tailEnd/>
-          </a:ln>
-          <a:extLst>
-            <a:ext uri="{909E8E84-426E-40dd-AFC4-6F175D3DCCD1}">
-              <a14:hiddenFill xmlns:a14="http://schemas.microsoft.com/office/drawing/2010/main">
-                <a:solidFill>
-                  <a:srgbClr val="FFFFFF"/>
-                </a:solidFill>
-              </a14:hiddenFill>
-            </a:ext>
-          </a:extLst>
-        </p:spPr>
-        <p:txBody>
-          <a:bodyPr/>
-          <a:lstStyle/>
-          <a:p>
-            <a:endParaRPr lang="fr-FR"/>
-          </a:p>
-        </p:txBody>
-      </p:sp>
-      <p:sp>
-        <p:nvSpPr>
-          <p:cNvPr id="29" name="Text Box 20"/>
-          <p:cNvSpPr txBox="1">
-            <a:spLocks noChangeArrowheads="1"/>
-          </p:cNvSpPr>
-          <p:nvPr/>
-        </p:nvSpPr>
-        <p:spPr bwMode="auto">
-          <a:xfrm>
-            <a:off x="6146801" y="2462213"/>
-            <a:ext cx="1814513" cy="719138"/>
-          </a:xfrm>
-          <a:prstGeom prst="rect">
-            <a:avLst/>
-          </a:prstGeom>
-          <a:noFill/>
-          <a:ln w="38100">
-            <a:noFill/>
-            <a:miter lim="800000"/>
-            <a:headEnd/>
-            <a:tailEnd/>
-          </a:ln>
-          <a:extLst>
-            <a:ext uri="{909E8E84-426E-40dd-AFC4-6F175D3DCCD1}">
-              <a14:hiddenFill xmlns:a14="http://schemas.microsoft.com/office/drawing/2010/main">
-                <a:solidFill>
-                  <a:srgbClr val="FFFFFF"/>
-                </a:solidFill>
-              </a14:hiddenFill>
-            </a:ext>
-          </a:extLst>
-        </p:spPr>
-        <p:txBody>
-          <a:bodyPr/>
-          <a:lstStyle>
-            <a:lvl1pPr eaLnBrk="0" hangingPunct="0">
-              <a:defRPr>
-                <a:solidFill>
-                  <a:schemeClr val="tx1"/>
-                </a:solidFill>
-                <a:latin typeface="Arial" charset="0"/>
-                <a:cs typeface="Arial" charset="0"/>
-              </a:defRPr>
-            </a:lvl1pPr>
-            <a:lvl2pPr marL="742950" indent="-285750" eaLnBrk="0" hangingPunct="0">
-              <a:defRPr>
-                <a:solidFill>
-                  <a:schemeClr val="tx1"/>
-                </a:solidFill>
-                <a:latin typeface="Arial" charset="0"/>
-                <a:cs typeface="Arial" charset="0"/>
-              </a:defRPr>
-            </a:lvl2pPr>
-            <a:lvl3pPr marL="1143000" indent="-228600" eaLnBrk="0" hangingPunct="0">
-              <a:defRPr>
-                <a:solidFill>
-                  <a:schemeClr val="tx1"/>
-                </a:solidFill>
-                <a:latin typeface="Arial" charset="0"/>
-                <a:cs typeface="Arial" charset="0"/>
-              </a:defRPr>
-            </a:lvl3pPr>
-            <a:lvl4pPr marL="1600200" indent="-228600" eaLnBrk="0" hangingPunct="0">
-              <a:defRPr>
-                <a:solidFill>
-                  <a:schemeClr val="tx1"/>
-                </a:solidFill>
-                <a:latin typeface="Arial" charset="0"/>
-                <a:cs typeface="Arial" charset="0"/>
-              </a:defRPr>
-            </a:lvl4pPr>
-            <a:lvl5pPr marL="2057400" indent="-228600" eaLnBrk="0" hangingPunct="0">
-              <a:defRPr>
-                <a:solidFill>
-                  <a:schemeClr val="tx1"/>
-                </a:solidFill>
-                <a:latin typeface="Arial" charset="0"/>
-                <a:cs typeface="Arial" charset="0"/>
-              </a:defRPr>
-            </a:lvl5pPr>
-            <a:lvl6pPr marL="2514600" indent="-228600" eaLnBrk="0" fontAlgn="base" hangingPunct="0">
-              <a:spcBef>
-                <a:spcPct val="0"/>
-              </a:spcBef>
-              <a:spcAft>
-                <a:spcPct val="0"/>
-              </a:spcAft>
-              <a:defRPr>
-                <a:solidFill>
-                  <a:schemeClr val="tx1"/>
-                </a:solidFill>
-                <a:latin typeface="Arial" charset="0"/>
-                <a:cs typeface="Arial" charset="0"/>
-              </a:defRPr>
-            </a:lvl6pPr>
-            <a:lvl7pPr marL="2971800" indent="-228600" eaLnBrk="0" fontAlgn="base" hangingPunct="0">
-              <a:spcBef>
-                <a:spcPct val="0"/>
-              </a:spcBef>
-              <a:spcAft>
-                <a:spcPct val="0"/>
-              </a:spcAft>
-              <a:defRPr>
-                <a:solidFill>
-                  <a:schemeClr val="tx1"/>
-                </a:solidFill>
-                <a:latin typeface="Arial" charset="0"/>
-                <a:cs typeface="Arial" charset="0"/>
-              </a:defRPr>
-            </a:lvl7pPr>
-            <a:lvl8pPr marL="3429000" indent="-228600" eaLnBrk="0" fontAlgn="base" hangingPunct="0">
-              <a:spcBef>
-                <a:spcPct val="0"/>
-              </a:spcBef>
-              <a:spcAft>
-                <a:spcPct val="0"/>
-              </a:spcAft>
-              <a:defRPr>
-                <a:solidFill>
-                  <a:schemeClr val="tx1"/>
-                </a:solidFill>
-                <a:latin typeface="Arial" charset="0"/>
-                <a:cs typeface="Arial" charset="0"/>
-              </a:defRPr>
-            </a:lvl8pPr>
-            <a:lvl9pPr marL="3886200" indent="-228600" eaLnBrk="0" fontAlgn="base" hangingPunct="0">
-              <a:spcBef>
-                <a:spcPct val="0"/>
-              </a:spcBef>
-              <a:spcAft>
-                <a:spcPct val="0"/>
-              </a:spcAft>
-              <a:defRPr>
-                <a:solidFill>
-                  <a:schemeClr val="tx1"/>
-                </a:solidFill>
-                <a:latin typeface="Arial" charset="0"/>
-                <a:cs typeface="Arial" charset="0"/>
-              </a:defRPr>
-            </a:lvl9pPr>
-          </a:lstStyle>
-          <a:p>
-            <a:pPr eaLnBrk="1" hangingPunct="1"/>
-            <a:r>
-              <a:rPr lang="en-US" altLang="ja-JP" b="1">
-                <a:solidFill>
-                  <a:srgbClr val="404040"/>
-                </a:solidFill>
-                <a:latin typeface="Verdana" pitchFamily="34" charset="0"/>
-                <a:ea typeface="MS Mincho" pitchFamily="49" charset="-128"/>
-              </a:rPr>
-              <a:t>LATITUDE</a:t>
-            </a:r>
-            <a:endParaRPr lang="en-US" b="1">
-              <a:solidFill>
-                <a:srgbClr val="404040"/>
-              </a:solidFill>
-              <a:latin typeface="Verdana" pitchFamily="34" charset="0"/>
-              <a:ea typeface="MS Mincho" pitchFamily="49" charset="-128"/>
-            </a:endParaRPr>
-          </a:p>
-        </p:txBody>
-      </p:sp>
-      <p:sp>
-        <p:nvSpPr>
-          <p:cNvPr id="30" name="Text Box 21"/>
-          <p:cNvSpPr txBox="1">
-            <a:spLocks noChangeArrowheads="1"/>
-          </p:cNvSpPr>
-          <p:nvPr/>
-        </p:nvSpPr>
-        <p:spPr bwMode="auto">
-          <a:xfrm>
-            <a:off x="1547664" y="1844824"/>
-            <a:ext cx="3303265" cy="508422"/>
-          </a:xfrm>
-          <a:prstGeom prst="rect">
-            <a:avLst/>
-          </a:prstGeom>
-          <a:noFill/>
-          <a:ln>
-            <a:noFill/>
-          </a:ln>
-          <a:extLst>
-            <a:ext uri="{909E8E84-426E-40dd-AFC4-6F175D3DCCD1}">
-              <a14:hiddenFill xmlns:a14="http://schemas.microsoft.com/office/drawing/2010/main">
-                <a:solidFill>
-                  <a:srgbClr val="FFFFFF"/>
-                </a:solidFill>
-              </a14:hiddenFill>
-            </a:ext>
-            <a:ext uri="{91240B29-F687-4f45-9708-019B960494DF}">
-              <a14:hiddenLine xmlns:a14="http://schemas.microsoft.com/office/drawing/2010/main" w="9525">
-                <a:solidFill>
-                  <a:srgbClr val="000000"/>
-                </a:solidFill>
-                <a:miter lim="800000"/>
-                <a:headEnd/>
-                <a:tailEnd/>
-              </a14:hiddenLine>
-            </a:ext>
-          </a:extLst>
-        </p:spPr>
-        <p:txBody>
-          <a:bodyPr/>
-          <a:lstStyle>
-            <a:lvl1pPr eaLnBrk="0" hangingPunct="0">
-              <a:defRPr>
-                <a:solidFill>
-                  <a:schemeClr val="tx1"/>
-                </a:solidFill>
-                <a:latin typeface="Arial" charset="0"/>
-                <a:cs typeface="Arial" charset="0"/>
-              </a:defRPr>
-            </a:lvl1pPr>
-            <a:lvl2pPr marL="742950" indent="-285750" eaLnBrk="0" hangingPunct="0">
-              <a:defRPr>
-                <a:solidFill>
-                  <a:schemeClr val="tx1"/>
-                </a:solidFill>
-                <a:latin typeface="Arial" charset="0"/>
-                <a:cs typeface="Arial" charset="0"/>
-              </a:defRPr>
-            </a:lvl2pPr>
-            <a:lvl3pPr marL="1143000" indent="-228600" eaLnBrk="0" hangingPunct="0">
-              <a:defRPr>
-                <a:solidFill>
-                  <a:schemeClr val="tx1"/>
-                </a:solidFill>
-                <a:latin typeface="Arial" charset="0"/>
-                <a:cs typeface="Arial" charset="0"/>
-              </a:defRPr>
-            </a:lvl3pPr>
-            <a:lvl4pPr marL="1600200" indent="-228600" eaLnBrk="0" hangingPunct="0">
-              <a:defRPr>
-                <a:solidFill>
-                  <a:schemeClr val="tx1"/>
-                </a:solidFill>
-                <a:latin typeface="Arial" charset="0"/>
-                <a:cs typeface="Arial" charset="0"/>
-              </a:defRPr>
-            </a:lvl4pPr>
-            <a:lvl5pPr marL="2057400" indent="-228600" eaLnBrk="0" hangingPunct="0">
-              <a:defRPr>
-                <a:solidFill>
-                  <a:schemeClr val="tx1"/>
-                </a:solidFill>
-                <a:latin typeface="Arial" charset="0"/>
-                <a:cs typeface="Arial" charset="0"/>
-              </a:defRPr>
-            </a:lvl5pPr>
-            <a:lvl6pPr marL="2514600" indent="-228600" eaLnBrk="0" fontAlgn="base" hangingPunct="0">
-              <a:spcBef>
-                <a:spcPct val="0"/>
-              </a:spcBef>
-              <a:spcAft>
-                <a:spcPct val="0"/>
-              </a:spcAft>
-              <a:defRPr>
-                <a:solidFill>
-                  <a:schemeClr val="tx1"/>
-                </a:solidFill>
-                <a:latin typeface="Arial" charset="0"/>
-                <a:cs typeface="Arial" charset="0"/>
-              </a:defRPr>
-            </a:lvl6pPr>
-            <a:lvl7pPr marL="2971800" indent="-228600" eaLnBrk="0" fontAlgn="base" hangingPunct="0">
-              <a:spcBef>
-                <a:spcPct val="0"/>
-              </a:spcBef>
-              <a:spcAft>
-                <a:spcPct val="0"/>
-              </a:spcAft>
-              <a:defRPr>
-                <a:solidFill>
-                  <a:schemeClr val="tx1"/>
-                </a:solidFill>
-                <a:latin typeface="Arial" charset="0"/>
-                <a:cs typeface="Arial" charset="0"/>
-              </a:defRPr>
-            </a:lvl7pPr>
-            <a:lvl8pPr marL="3429000" indent="-228600" eaLnBrk="0" fontAlgn="base" hangingPunct="0">
-              <a:spcBef>
-                <a:spcPct val="0"/>
-              </a:spcBef>
-              <a:spcAft>
-                <a:spcPct val="0"/>
-              </a:spcAft>
-              <a:defRPr>
-                <a:solidFill>
-                  <a:schemeClr val="tx1"/>
-                </a:solidFill>
-                <a:latin typeface="Arial" charset="0"/>
-                <a:cs typeface="Arial" charset="0"/>
-              </a:defRPr>
-            </a:lvl8pPr>
-            <a:lvl9pPr marL="3886200" indent="-228600" eaLnBrk="0" fontAlgn="base" hangingPunct="0">
-              <a:spcBef>
-                <a:spcPct val="0"/>
-              </a:spcBef>
-              <a:spcAft>
-                <a:spcPct val="0"/>
-              </a:spcAft>
-              <a:defRPr>
-                <a:solidFill>
-                  <a:schemeClr val="tx1"/>
-                </a:solidFill>
-                <a:latin typeface="Arial" charset="0"/>
-                <a:cs typeface="Arial" charset="0"/>
-              </a:defRPr>
-            </a:lvl9pPr>
-          </a:lstStyle>
-          <a:p>
-            <a:pPr eaLnBrk="1" hangingPunct="1"/>
-            <a:r>
-              <a:rPr lang="en-US" altLang="ja-JP" b="1" dirty="0">
-                <a:solidFill>
-                  <a:schemeClr val="tx1">
-                    <a:lumMod val="75000"/>
-                    <a:lumOff val="25000"/>
-                  </a:schemeClr>
-                </a:solidFill>
-                <a:latin typeface="Verdana" pitchFamily="34" charset="0"/>
-                <a:ea typeface="MS Mincho" pitchFamily="49" charset="-128"/>
-              </a:rPr>
-              <a:t>GREENWICH MERIDIAN</a:t>
-            </a:r>
-            <a:endParaRPr lang="en-US" dirty="0">
-              <a:solidFill>
-                <a:schemeClr val="tx1">
-                  <a:lumMod val="75000"/>
-                  <a:lumOff val="25000"/>
-                </a:schemeClr>
-              </a:solidFill>
-              <a:latin typeface="Verdana" pitchFamily="34" charset="0"/>
-              <a:ea typeface="MS Mincho" pitchFamily="49" charset="-128"/>
-            </a:endParaRPr>
-          </a:p>
-        </p:txBody>
-      </p:sp>
-      <p:sp>
-        <p:nvSpPr>
-          <p:cNvPr id="31" name="Text Box 22"/>
-          <p:cNvSpPr txBox="1">
-            <a:spLocks noChangeArrowheads="1"/>
-          </p:cNvSpPr>
-          <p:nvPr/>
-        </p:nvSpPr>
-        <p:spPr bwMode="auto">
-          <a:xfrm>
-            <a:off x="2289174" y="3649663"/>
-            <a:ext cx="1706761" cy="608012"/>
-          </a:xfrm>
-          <a:prstGeom prst="rect">
-            <a:avLst/>
-          </a:prstGeom>
-          <a:noFill/>
-          <a:ln>
-            <a:noFill/>
-          </a:ln>
-          <a:extLst>
-            <a:ext uri="{909E8E84-426E-40dd-AFC4-6F175D3DCCD1}">
-              <a14:hiddenFill xmlns:a14="http://schemas.microsoft.com/office/drawing/2010/main">
-                <a:solidFill>
-                  <a:srgbClr val="FFFFFF"/>
-                </a:solidFill>
-              </a14:hiddenFill>
-            </a:ext>
-            <a:ext uri="{91240B29-F687-4f45-9708-019B960494DF}">
-              <a14:hiddenLine xmlns:a14="http://schemas.microsoft.com/office/drawing/2010/main" w="9525">
-                <a:solidFill>
-                  <a:srgbClr val="000000"/>
-                </a:solidFill>
-                <a:miter lim="800000"/>
-                <a:headEnd/>
-                <a:tailEnd/>
-              </a14:hiddenLine>
-            </a:ext>
-          </a:extLst>
-        </p:spPr>
-        <p:txBody>
-          <a:bodyPr/>
-          <a:lstStyle>
-            <a:lvl1pPr eaLnBrk="0" hangingPunct="0">
-              <a:defRPr>
-                <a:solidFill>
-                  <a:schemeClr val="tx1"/>
-                </a:solidFill>
-                <a:latin typeface="Arial" charset="0"/>
-                <a:cs typeface="Arial" charset="0"/>
-              </a:defRPr>
-            </a:lvl1pPr>
-            <a:lvl2pPr marL="742950" indent="-285750" eaLnBrk="0" hangingPunct="0">
-              <a:defRPr>
-                <a:solidFill>
-                  <a:schemeClr val="tx1"/>
-                </a:solidFill>
-                <a:latin typeface="Arial" charset="0"/>
-                <a:cs typeface="Arial" charset="0"/>
-              </a:defRPr>
-            </a:lvl2pPr>
-            <a:lvl3pPr marL="1143000" indent="-228600" eaLnBrk="0" hangingPunct="0">
-              <a:defRPr>
-                <a:solidFill>
-                  <a:schemeClr val="tx1"/>
-                </a:solidFill>
-                <a:latin typeface="Arial" charset="0"/>
-                <a:cs typeface="Arial" charset="0"/>
-              </a:defRPr>
-            </a:lvl3pPr>
-            <a:lvl4pPr marL="1600200" indent="-228600" eaLnBrk="0" hangingPunct="0">
-              <a:defRPr>
-                <a:solidFill>
-                  <a:schemeClr val="tx1"/>
-                </a:solidFill>
-                <a:latin typeface="Arial" charset="0"/>
-                <a:cs typeface="Arial" charset="0"/>
-              </a:defRPr>
-            </a:lvl4pPr>
-            <a:lvl5pPr marL="2057400" indent="-228600" eaLnBrk="0" hangingPunct="0">
-              <a:defRPr>
-                <a:solidFill>
-                  <a:schemeClr val="tx1"/>
-                </a:solidFill>
-                <a:latin typeface="Arial" charset="0"/>
-                <a:cs typeface="Arial" charset="0"/>
-              </a:defRPr>
-            </a:lvl5pPr>
-            <a:lvl6pPr marL="2514600" indent="-228600" eaLnBrk="0" fontAlgn="base" hangingPunct="0">
-              <a:spcBef>
-                <a:spcPct val="0"/>
-              </a:spcBef>
-              <a:spcAft>
-                <a:spcPct val="0"/>
-              </a:spcAft>
-              <a:defRPr>
-                <a:solidFill>
-                  <a:schemeClr val="tx1"/>
-                </a:solidFill>
-                <a:latin typeface="Arial" charset="0"/>
-                <a:cs typeface="Arial" charset="0"/>
-              </a:defRPr>
-            </a:lvl6pPr>
-            <a:lvl7pPr marL="2971800" indent="-228600" eaLnBrk="0" fontAlgn="base" hangingPunct="0">
-              <a:spcBef>
-                <a:spcPct val="0"/>
-              </a:spcBef>
-              <a:spcAft>
-                <a:spcPct val="0"/>
-              </a:spcAft>
-              <a:defRPr>
-                <a:solidFill>
-                  <a:schemeClr val="tx1"/>
-                </a:solidFill>
-                <a:latin typeface="Arial" charset="0"/>
-                <a:cs typeface="Arial" charset="0"/>
-              </a:defRPr>
-            </a:lvl7pPr>
-            <a:lvl8pPr marL="3429000" indent="-228600" eaLnBrk="0" fontAlgn="base" hangingPunct="0">
-              <a:spcBef>
-                <a:spcPct val="0"/>
-              </a:spcBef>
-              <a:spcAft>
-                <a:spcPct val="0"/>
-              </a:spcAft>
-              <a:defRPr>
-                <a:solidFill>
-                  <a:schemeClr val="tx1"/>
-                </a:solidFill>
-                <a:latin typeface="Arial" charset="0"/>
-                <a:cs typeface="Arial" charset="0"/>
-              </a:defRPr>
-            </a:lvl8pPr>
-            <a:lvl9pPr marL="3886200" indent="-228600" eaLnBrk="0" fontAlgn="base" hangingPunct="0">
-              <a:spcBef>
-                <a:spcPct val="0"/>
-              </a:spcBef>
-              <a:spcAft>
-                <a:spcPct val="0"/>
-              </a:spcAft>
-              <a:defRPr>
-                <a:solidFill>
-                  <a:schemeClr val="tx1"/>
-                </a:solidFill>
-                <a:latin typeface="Arial" charset="0"/>
-                <a:cs typeface="Arial" charset="0"/>
-              </a:defRPr>
-            </a:lvl9pPr>
-          </a:lstStyle>
-          <a:p>
-            <a:pPr eaLnBrk="1" hangingPunct="1"/>
-            <a:r>
-              <a:rPr lang="en-US" altLang="ja-JP" b="1" dirty="0">
-                <a:solidFill>
-                  <a:srgbClr val="404040"/>
-                </a:solidFill>
-                <a:latin typeface="Verdana" pitchFamily="34" charset="0"/>
-                <a:ea typeface="MS Mincho" pitchFamily="49" charset="-128"/>
-              </a:rPr>
-              <a:t>EQUATOR</a:t>
-            </a:r>
-            <a:endParaRPr lang="en-US" dirty="0">
-              <a:solidFill>
-                <a:srgbClr val="404040"/>
-              </a:solidFill>
-              <a:latin typeface="Verdana" pitchFamily="34" charset="0"/>
-              <a:ea typeface="MS Mincho" pitchFamily="49" charset="-128"/>
-            </a:endParaRPr>
-          </a:p>
-        </p:txBody>
-      </p:sp>
-      <p:sp>
-        <p:nvSpPr>
-          <p:cNvPr id="35" name="Arc 14"/>
-          <p:cNvSpPr>
-            <a:spLocks/>
-          </p:cNvSpPr>
-          <p:nvPr/>
-        </p:nvSpPr>
-        <p:spPr bwMode="auto">
-          <a:xfrm rot="21371156" flipH="1" flipV="1">
-            <a:off x="4610100" y="3865563"/>
-            <a:ext cx="1631950" cy="130175"/>
-          </a:xfrm>
-          <a:custGeom>
-            <a:avLst/>
-            <a:gdLst>
-              <a:gd name="T0" fmla="*/ 0 w 37468"/>
-              <a:gd name="T1" fmla="*/ 0 h 21600"/>
-              <a:gd name="T2" fmla="*/ 1 w 37468"/>
-              <a:gd name="T3" fmla="*/ 0 h 21600"/>
-              <a:gd name="T4" fmla="*/ 0 w 37468"/>
-              <a:gd name="T5" fmla="*/ 0 h 21600"/>
-              <a:gd name="T6" fmla="*/ 0 60000 65536"/>
-              <a:gd name="T7" fmla="*/ 0 60000 65536"/>
-              <a:gd name="T8" fmla="*/ 0 60000 65536"/>
-            </a:gdLst>
-            <a:ahLst/>
-            <a:cxnLst>
-              <a:cxn ang="T6">
-                <a:pos x="T0" y="T1"/>
-              </a:cxn>
-              <a:cxn ang="T7">
-                <a:pos x="T2" y="T3"/>
-              </a:cxn>
-              <a:cxn ang="T8">
-                <a:pos x="T4" y="T5"/>
-              </a:cxn>
-            </a:cxnLst>
-            <a:rect l="0" t="0" r="r" b="b"/>
-            <a:pathLst>
-              <a:path w="37468" h="21600" fill="none" extrusionOk="0">
-                <a:moveTo>
-                  <a:pt x="0" y="12894"/>
-                </a:moveTo>
-                <a:cubicBezTo>
-                  <a:pt x="3451" y="5057"/>
-                  <a:pt x="11205" y="-1"/>
-                  <a:pt x="19768" y="0"/>
-                </a:cubicBezTo>
-                <a:cubicBezTo>
-                  <a:pt x="26818" y="0"/>
-                  <a:pt x="33426" y="3441"/>
-                  <a:pt x="37467" y="9219"/>
-                </a:cubicBezTo>
-              </a:path>
-              <a:path w="37468" h="21600" stroke="0" extrusionOk="0">
-                <a:moveTo>
-                  <a:pt x="0" y="12894"/>
-                </a:moveTo>
-                <a:cubicBezTo>
-                  <a:pt x="3451" y="5057"/>
-                  <a:pt x="11205" y="-1"/>
-                  <a:pt x="19768" y="0"/>
-                </a:cubicBezTo>
-                <a:cubicBezTo>
-                  <a:pt x="26818" y="0"/>
-                  <a:pt x="33426" y="3441"/>
-                  <a:pt x="37467" y="9219"/>
-                </a:cubicBezTo>
-                <a:lnTo>
-                  <a:pt x="19768" y="21600"/>
-                </a:lnTo>
-                <a:lnTo>
-                  <a:pt x="0" y="12894"/>
-                </a:lnTo>
-                <a:close/>
-              </a:path>
-            </a:pathLst>
-          </a:custGeom>
-          <a:noFill/>
-          <a:ln w="38100">
-            <a:solidFill>
-              <a:schemeClr val="tx1">
-                <a:lumMod val="75000"/>
-                <a:lumOff val="25000"/>
-              </a:schemeClr>
-            </a:solidFill>
-            <a:round/>
-            <a:headEnd type="stealth" w="lg" len="lg"/>
-            <a:tailEnd/>
-          </a:ln>
-          <a:extLst>
-            <a:ext uri="{909E8E84-426E-40dd-AFC4-6F175D3DCCD1}">
-              <a14:hiddenFill xmlns:a14="http://schemas.microsoft.com/office/drawing/2010/main">
-                <a:solidFill>
-                  <a:srgbClr val="FFFFFF"/>
-                </a:solidFill>
-              </a14:hiddenFill>
-            </a:ext>
-          </a:extLst>
-        </p:spPr>
-        <p:txBody>
-          <a:bodyPr/>
-          <a:lstStyle/>
-          <a:p>
-            <a:endParaRPr lang="fr-FR"/>
-          </a:p>
-        </p:txBody>
-      </p:sp>
-      <p:sp>
-        <p:nvSpPr>
-          <p:cNvPr id="36" name="Text Box 19"/>
-          <p:cNvSpPr txBox="1">
-            <a:spLocks noChangeArrowheads="1"/>
-          </p:cNvSpPr>
-          <p:nvPr/>
-        </p:nvSpPr>
-        <p:spPr bwMode="auto">
-          <a:xfrm>
-            <a:off x="4768850" y="4030663"/>
-            <a:ext cx="2179414" cy="334441"/>
-          </a:xfrm>
-          <a:prstGeom prst="rect">
-            <a:avLst/>
-          </a:prstGeom>
-          <a:noFill/>
-          <a:ln>
-            <a:noFill/>
-          </a:ln>
-          <a:extLst>
-            <a:ext uri="{909E8E84-426E-40dd-AFC4-6F175D3DCCD1}">
-              <a14:hiddenFill xmlns:a14="http://schemas.microsoft.com/office/drawing/2010/main">
-                <a:solidFill>
-                  <a:srgbClr val="FFFFFF"/>
-                </a:solidFill>
-              </a14:hiddenFill>
-            </a:ext>
-            <a:ext uri="{91240B29-F687-4f45-9708-019B960494DF}">
-              <a14:hiddenLine xmlns:a14="http://schemas.microsoft.com/office/drawing/2010/main" w="38100">
-                <a:solidFill>
-                  <a:srgbClr val="000000"/>
-                </a:solidFill>
-                <a:miter lim="800000"/>
-                <a:headEnd/>
-                <a:tailEnd/>
-              </a14:hiddenLine>
-            </a:ext>
-          </a:extLst>
-        </p:spPr>
-        <p:txBody>
-          <a:bodyPr/>
-          <a:lstStyle>
-            <a:lvl1pPr eaLnBrk="0" hangingPunct="0">
-              <a:defRPr>
-                <a:solidFill>
-                  <a:schemeClr val="tx1"/>
-                </a:solidFill>
-                <a:latin typeface="Arial" charset="0"/>
-                <a:cs typeface="Arial" charset="0"/>
-              </a:defRPr>
-            </a:lvl1pPr>
-            <a:lvl2pPr marL="742950" indent="-285750" eaLnBrk="0" hangingPunct="0">
-              <a:defRPr>
-                <a:solidFill>
-                  <a:schemeClr val="tx1"/>
-                </a:solidFill>
-                <a:latin typeface="Arial" charset="0"/>
-                <a:cs typeface="Arial" charset="0"/>
-              </a:defRPr>
-            </a:lvl2pPr>
-            <a:lvl3pPr marL="1143000" indent="-228600" eaLnBrk="0" hangingPunct="0">
-              <a:defRPr>
-                <a:solidFill>
-                  <a:schemeClr val="tx1"/>
-                </a:solidFill>
-                <a:latin typeface="Arial" charset="0"/>
-                <a:cs typeface="Arial" charset="0"/>
-              </a:defRPr>
-            </a:lvl3pPr>
-            <a:lvl4pPr marL="1600200" indent="-228600" eaLnBrk="0" hangingPunct="0">
-              <a:defRPr>
-                <a:solidFill>
-                  <a:schemeClr val="tx1"/>
-                </a:solidFill>
-                <a:latin typeface="Arial" charset="0"/>
-                <a:cs typeface="Arial" charset="0"/>
-              </a:defRPr>
-            </a:lvl4pPr>
-            <a:lvl5pPr marL="2057400" indent="-228600" eaLnBrk="0" hangingPunct="0">
-              <a:defRPr>
-                <a:solidFill>
-                  <a:schemeClr val="tx1"/>
-                </a:solidFill>
-                <a:latin typeface="Arial" charset="0"/>
-                <a:cs typeface="Arial" charset="0"/>
-              </a:defRPr>
-            </a:lvl5pPr>
-            <a:lvl6pPr marL="2514600" indent="-228600" eaLnBrk="0" fontAlgn="base" hangingPunct="0">
-              <a:spcBef>
-                <a:spcPct val="0"/>
-              </a:spcBef>
-              <a:spcAft>
-                <a:spcPct val="0"/>
-              </a:spcAft>
-              <a:defRPr>
-                <a:solidFill>
-                  <a:schemeClr val="tx1"/>
-                </a:solidFill>
-                <a:latin typeface="Arial" charset="0"/>
-                <a:cs typeface="Arial" charset="0"/>
-              </a:defRPr>
-            </a:lvl6pPr>
-            <a:lvl7pPr marL="2971800" indent="-228600" eaLnBrk="0" fontAlgn="base" hangingPunct="0">
-              <a:spcBef>
-                <a:spcPct val="0"/>
-              </a:spcBef>
-              <a:spcAft>
-                <a:spcPct val="0"/>
-              </a:spcAft>
-              <a:defRPr>
-                <a:solidFill>
-                  <a:schemeClr val="tx1"/>
-                </a:solidFill>
-                <a:latin typeface="Arial" charset="0"/>
-                <a:cs typeface="Arial" charset="0"/>
-              </a:defRPr>
-            </a:lvl7pPr>
-            <a:lvl8pPr marL="3429000" indent="-228600" eaLnBrk="0" fontAlgn="base" hangingPunct="0">
-              <a:spcBef>
-                <a:spcPct val="0"/>
-              </a:spcBef>
-              <a:spcAft>
-                <a:spcPct val="0"/>
-              </a:spcAft>
-              <a:defRPr>
-                <a:solidFill>
-                  <a:schemeClr val="tx1"/>
-                </a:solidFill>
-                <a:latin typeface="Arial" charset="0"/>
-                <a:cs typeface="Arial" charset="0"/>
-              </a:defRPr>
-            </a:lvl8pPr>
-            <a:lvl9pPr marL="3886200" indent="-228600" eaLnBrk="0" fontAlgn="base" hangingPunct="0">
-              <a:spcBef>
-                <a:spcPct val="0"/>
-              </a:spcBef>
-              <a:spcAft>
-                <a:spcPct val="0"/>
-              </a:spcAft>
-              <a:defRPr>
-                <a:solidFill>
-                  <a:schemeClr val="tx1"/>
-                </a:solidFill>
-                <a:latin typeface="Arial" charset="0"/>
-                <a:cs typeface="Arial" charset="0"/>
-              </a:defRPr>
-            </a:lvl9pPr>
-          </a:lstStyle>
-          <a:p>
-            <a:pPr eaLnBrk="1" hangingPunct="1"/>
-            <a:r>
-              <a:rPr lang="en-US" b="1">
-                <a:solidFill>
-                  <a:schemeClr val="tx1">
-                    <a:lumMod val="75000"/>
-                    <a:lumOff val="25000"/>
-                  </a:schemeClr>
-                </a:solidFill>
-                <a:latin typeface="Verdana" pitchFamily="34" charset="0"/>
-                <a:ea typeface="MS Mincho" pitchFamily="49" charset="-128"/>
-              </a:rPr>
-              <a:t>LONGITUDE</a:t>
-            </a:r>
-            <a:endParaRPr lang="en-US" b="1">
-              <a:solidFill>
-                <a:schemeClr val="tx1">
-                  <a:lumMod val="75000"/>
-                  <a:lumOff val="25000"/>
-                </a:schemeClr>
-              </a:solidFill>
-              <a:latin typeface="Verdana" pitchFamily="34" charset="0"/>
-              <a:ea typeface="MS Mincho" pitchFamily="49" charset="-128"/>
-            </a:endParaRPr>
-          </a:p>
-        </p:txBody>
-      </p:sp>
-      <p:sp>
-        <p:nvSpPr>
-          <p:cNvPr id="38" name="Title 1"/>
-          <p:cNvSpPr>
-            <a:spLocks noGrp="1"/>
-          </p:cNvSpPr>
-          <p:nvPr>
-            <p:ph type="ctrTitle"/>
-          </p:nvPr>
         </p:nvSpPr>
         <p:spPr>
           <a:xfrm>
             <a:off x="179512" y="-27384"/>
             <a:ext cx="8784976" cy="1008112"/>
           </a:xfrm>
+          <a:prstGeom prst="rect">
+            <a:avLst/>
+          </a:prstGeom>
         </p:spPr>
         <p:txBody>
-          <a:bodyPr>
+          <a:bodyPr vert="horz" lIns="91440" tIns="45720" rIns="91440" bIns="45720" rtlCol="0" anchor="ctr">
             <a:noAutofit/>
           </a:bodyPr>
-          <a:lstStyle/>
+          <a:lstStyle>
+            <a:lvl1pPr algn="ctr" defTabSz="914400" rtl="0" eaLnBrk="1" latinLnBrk="0" hangingPunct="1">
+              <a:spcBef>
+                <a:spcPct val="0"/>
+              </a:spcBef>
+              <a:buNone/>
+              <a:defRPr sz="4400" kern="1200">
+                <a:solidFill>
+                  <a:schemeClr val="tx1"/>
+                </a:solidFill>
+                <a:latin typeface="+mj-lt"/>
+                <a:ea typeface="+mj-ea"/>
+                <a:cs typeface="+mj-cs"/>
+              </a:defRPr>
+            </a:lvl1pPr>
+          </a:lstStyle>
           <a:p>
             <a:pPr algn="l"/>
             <a:r>
@@ -7413,25 +5781,13 @@
     </p:spTree>
     <p:extLst>
       <p:ext uri="{BB962C8B-B14F-4D97-AF65-F5344CB8AC3E}">
-        <p14:creationId xmlns:p14="http://schemas.microsoft.com/office/powerpoint/2010/main" val="2808532586"/>
+        <p14:creationId xmlns:p14="http://schemas.microsoft.com/office/powerpoint/2010/main" val="4132170408"/>
       </p:ext>
     </p:extLst>
   </p:cSld>
   <p:clrMapOvr>
     <a:masterClrMapping/>
   </p:clrMapOvr>
-  <mc:AlternateContent xmlns:mc="http://schemas.openxmlformats.org/markup-compatibility/2006" xmlns:p14="http://schemas.microsoft.com/office/powerpoint/2010/main">
-    <mc:Choice Requires="p14">
-      <p:transition spd="med" p14:dur="700">
-        <p:fade/>
-      </p:transition>
-    </mc:Choice>
-    <mc:Fallback xmlns="">
-      <p:transition spd="med">
-        <p:fade/>
-      </p:transition>
-    </mc:Fallback>
-  </mc:AlternateContent>
   <p:timing>
     <p:tnLst>
       <p:par>
